--- a/Documentation/Application_Diagram.pptx
+++ b/Documentation/Application_Diagram.pptx
@@ -5,10 +5,12 @@
     <p:sldMasterId id="2147483648" r:id="rId1"/>
   </p:sldMasterIdLst>
   <p:notesMasterIdLst>
-    <p:notesMasterId r:id="rId3"/>
+    <p:notesMasterId r:id="rId5"/>
   </p:notesMasterIdLst>
   <p:sldIdLst>
     <p:sldId id="256" r:id="rId2"/>
+    <p:sldId id="257" r:id="rId3"/>
+    <p:sldId id="258" r:id="rId4"/>
   </p:sldIdLst>
   <p:sldSz cx="12192000" cy="6858000"/>
   <p:notesSz cx="6858000" cy="9144000"/>
@@ -208,7 +210,7 @@
           <a:p>
             <a:fld id="{D7E9AC07-6B60-484F-8BCD-C3B9E453750E}" type="datetimeFigureOut">
               <a:rPr lang="en-DE" smtClean="0"/>
-              <a:t>14.04.22</a:t>
+              <a:t>17.04.22</a:t>
             </a:fld>
             <a:endParaRPr lang="en-DE"/>
           </a:p>
@@ -560,6 +562,90 @@
 </p:notes>
 </file>
 
+<file path=ppt/notesSlides/notesSlide2.xml><?xml version="1.0" encoding="utf-8"?>
+<p:notes xmlns:a="http://schemas.openxmlformats.org/drawingml/2006/main" xmlns:r="http://schemas.openxmlformats.org/officeDocument/2006/relationships" xmlns:p="http://schemas.openxmlformats.org/presentationml/2006/main">
+  <p:cSld>
+    <p:spTree>
+      <p:nvGrpSpPr>
+        <p:cNvPr id="1" name=""/>
+        <p:cNvGrpSpPr/>
+        <p:nvPr/>
+      </p:nvGrpSpPr>
+      <p:grpSpPr>
+        <a:xfrm>
+          <a:off x="0" y="0"/>
+          <a:ext cx="0" cy="0"/>
+          <a:chOff x="0" y="0"/>
+          <a:chExt cx="0" cy="0"/>
+        </a:xfrm>
+      </p:grpSpPr>
+      <p:sp>
+        <p:nvSpPr>
+          <p:cNvPr id="2" name="Slide Image Placeholder 1"/>
+          <p:cNvSpPr>
+            <a:spLocks noGrp="1" noRot="1" noChangeAspect="1"/>
+          </p:cNvSpPr>
+          <p:nvPr>
+            <p:ph type="sldImg"/>
+          </p:nvPr>
+        </p:nvSpPr>
+        <p:spPr/>
+      </p:sp>
+      <p:sp>
+        <p:nvSpPr>
+          <p:cNvPr id="3" name="Notes Placeholder 2"/>
+          <p:cNvSpPr>
+            <a:spLocks noGrp="1"/>
+          </p:cNvSpPr>
+          <p:nvPr>
+            <p:ph type="body" idx="1"/>
+          </p:nvPr>
+        </p:nvSpPr>
+        <p:spPr/>
+        <p:txBody>
+          <a:bodyPr/>
+          <a:lstStyle/>
+          <a:p>
+            <a:endParaRPr lang="en-DE" dirty="0"/>
+          </a:p>
+        </p:txBody>
+      </p:sp>
+      <p:sp>
+        <p:nvSpPr>
+          <p:cNvPr id="4" name="Slide Number Placeholder 3"/>
+          <p:cNvSpPr>
+            <a:spLocks noGrp="1"/>
+          </p:cNvSpPr>
+          <p:nvPr>
+            <p:ph type="sldNum" sz="quarter" idx="5"/>
+          </p:nvPr>
+        </p:nvSpPr>
+        <p:spPr/>
+        <p:txBody>
+          <a:bodyPr/>
+          <a:lstStyle/>
+          <a:p>
+            <a:fld id="{B4BA9881-961A-2D48-A947-8AD45B1E0163}" type="slidenum">
+              <a:rPr lang="en-DE" smtClean="0"/>
+              <a:t>2</a:t>
+            </a:fld>
+            <a:endParaRPr lang="en-DE"/>
+          </a:p>
+        </p:txBody>
+      </p:sp>
+    </p:spTree>
+    <p:extLst>
+      <p:ext uri="{BB962C8B-B14F-4D97-AF65-F5344CB8AC3E}">
+        <p14:creationId xmlns:p14="http://schemas.microsoft.com/office/powerpoint/2010/main" val="66199130"/>
+      </p:ext>
+    </p:extLst>
+  </p:cSld>
+  <p:clrMapOvr>
+    <a:masterClrMapping/>
+  </p:clrMapOvr>
+</p:notes>
+</file>
+
 <file path=ppt/slideLayouts/slideLayout1.xml><?xml version="1.0" encoding="utf-8"?>
 <p:sldLayout xmlns:a="http://schemas.openxmlformats.org/drawingml/2006/main" xmlns:r="http://schemas.openxmlformats.org/officeDocument/2006/relationships" xmlns:p="http://schemas.openxmlformats.org/presentationml/2006/main" type="title" preserve="1">
   <p:cSld name="Title Slide">
@@ -709,7 +795,7 @@
           <a:p>
             <a:fld id="{BE7A782E-AC86-224A-8086-D36FD2145D4C}" type="datetimeFigureOut">
               <a:rPr lang="en-DE" smtClean="0"/>
-              <a:t>14.04.22</a:t>
+              <a:t>17.04.22</a:t>
             </a:fld>
             <a:endParaRPr lang="en-DE"/>
           </a:p>
@@ -909,7 +995,7 @@
           <a:p>
             <a:fld id="{BE7A782E-AC86-224A-8086-D36FD2145D4C}" type="datetimeFigureOut">
               <a:rPr lang="en-DE" smtClean="0"/>
-              <a:t>14.04.22</a:t>
+              <a:t>17.04.22</a:t>
             </a:fld>
             <a:endParaRPr lang="en-DE"/>
           </a:p>
@@ -1119,7 +1205,7 @@
           <a:p>
             <a:fld id="{BE7A782E-AC86-224A-8086-D36FD2145D4C}" type="datetimeFigureOut">
               <a:rPr lang="en-DE" smtClean="0"/>
-              <a:t>14.04.22</a:t>
+              <a:t>17.04.22</a:t>
             </a:fld>
             <a:endParaRPr lang="en-DE"/>
           </a:p>
@@ -1319,7 +1405,7 @@
           <a:p>
             <a:fld id="{BE7A782E-AC86-224A-8086-D36FD2145D4C}" type="datetimeFigureOut">
               <a:rPr lang="en-DE" smtClean="0"/>
-              <a:t>14.04.22</a:t>
+              <a:t>17.04.22</a:t>
             </a:fld>
             <a:endParaRPr lang="en-DE"/>
           </a:p>
@@ -1595,7 +1681,7 @@
           <a:p>
             <a:fld id="{BE7A782E-AC86-224A-8086-D36FD2145D4C}" type="datetimeFigureOut">
               <a:rPr lang="en-DE" smtClean="0"/>
-              <a:t>14.04.22</a:t>
+              <a:t>17.04.22</a:t>
             </a:fld>
             <a:endParaRPr lang="en-DE"/>
           </a:p>
@@ -1863,7 +1949,7 @@
           <a:p>
             <a:fld id="{BE7A782E-AC86-224A-8086-D36FD2145D4C}" type="datetimeFigureOut">
               <a:rPr lang="en-DE" smtClean="0"/>
-              <a:t>14.04.22</a:t>
+              <a:t>17.04.22</a:t>
             </a:fld>
             <a:endParaRPr lang="en-DE"/>
           </a:p>
@@ -2278,7 +2364,7 @@
           <a:p>
             <a:fld id="{BE7A782E-AC86-224A-8086-D36FD2145D4C}" type="datetimeFigureOut">
               <a:rPr lang="en-DE" smtClean="0"/>
-              <a:t>14.04.22</a:t>
+              <a:t>17.04.22</a:t>
             </a:fld>
             <a:endParaRPr lang="en-DE"/>
           </a:p>
@@ -2420,7 +2506,7 @@
           <a:p>
             <a:fld id="{BE7A782E-AC86-224A-8086-D36FD2145D4C}" type="datetimeFigureOut">
               <a:rPr lang="en-DE" smtClean="0"/>
-              <a:t>14.04.22</a:t>
+              <a:t>17.04.22</a:t>
             </a:fld>
             <a:endParaRPr lang="en-DE"/>
           </a:p>
@@ -2533,7 +2619,7 @@
           <a:p>
             <a:fld id="{BE7A782E-AC86-224A-8086-D36FD2145D4C}" type="datetimeFigureOut">
               <a:rPr lang="en-DE" smtClean="0"/>
-              <a:t>14.04.22</a:t>
+              <a:t>17.04.22</a:t>
             </a:fld>
             <a:endParaRPr lang="en-DE"/>
           </a:p>
@@ -2846,7 +2932,7 @@
           <a:p>
             <a:fld id="{BE7A782E-AC86-224A-8086-D36FD2145D4C}" type="datetimeFigureOut">
               <a:rPr lang="en-DE" smtClean="0"/>
-              <a:t>14.04.22</a:t>
+              <a:t>17.04.22</a:t>
             </a:fld>
             <a:endParaRPr lang="en-DE"/>
           </a:p>
@@ -3135,7 +3221,7 @@
           <a:p>
             <a:fld id="{BE7A782E-AC86-224A-8086-D36FD2145D4C}" type="datetimeFigureOut">
               <a:rPr lang="en-DE" smtClean="0"/>
-              <a:t>14.04.22</a:t>
+              <a:t>17.04.22</a:t>
             </a:fld>
             <a:endParaRPr lang="en-DE"/>
           </a:p>
@@ -3378,7 +3464,7 @@
           <a:p>
             <a:fld id="{BE7A782E-AC86-224A-8086-D36FD2145D4C}" type="datetimeFigureOut">
               <a:rPr lang="en-DE" smtClean="0"/>
-              <a:t>14.04.22</a:t>
+              <a:t>17.04.22</a:t>
             </a:fld>
             <a:endParaRPr lang="en-DE"/>
           </a:p>
@@ -5623,6 +5709,1487 @@
     <p:extLst>
       <p:ext uri="{BB962C8B-B14F-4D97-AF65-F5344CB8AC3E}">
         <p14:creationId xmlns:p14="http://schemas.microsoft.com/office/powerpoint/2010/main" val="3271206317"/>
+      </p:ext>
+    </p:extLst>
+  </p:cSld>
+  <p:clrMapOvr>
+    <a:masterClrMapping/>
+  </p:clrMapOvr>
+</p:sld>
+</file>
+
+<file path=ppt/slides/slide2.xml><?xml version="1.0" encoding="utf-8"?>
+<p:sld xmlns:a="http://schemas.openxmlformats.org/drawingml/2006/main" xmlns:r="http://schemas.openxmlformats.org/officeDocument/2006/relationships" xmlns:p="http://schemas.openxmlformats.org/presentationml/2006/main">
+  <p:cSld>
+    <p:spTree>
+      <p:nvGrpSpPr>
+        <p:cNvPr id="1" name=""/>
+        <p:cNvGrpSpPr/>
+        <p:nvPr/>
+      </p:nvGrpSpPr>
+      <p:grpSpPr>
+        <a:xfrm>
+          <a:off x="0" y="0"/>
+          <a:ext cx="0" cy="0"/>
+          <a:chOff x="0" y="0"/>
+          <a:chExt cx="0" cy="0"/>
+        </a:xfrm>
+      </p:grpSpPr>
+      <p:sp>
+        <p:nvSpPr>
+          <p:cNvPr id="2" name="Rounded Rectangle 1">
+            <a:extLst>
+              <a:ext uri="{FF2B5EF4-FFF2-40B4-BE49-F238E27FC236}">
+                <a16:creationId xmlns:a16="http://schemas.microsoft.com/office/drawing/2014/main" id="{1F7B1C1C-316A-BB58-5EA2-5D305E0AADF3}"/>
+              </a:ext>
+            </a:extLst>
+          </p:cNvPr>
+          <p:cNvSpPr/>
+          <p:nvPr/>
+        </p:nvSpPr>
+        <p:spPr>
+          <a:xfrm>
+            <a:off x="555812" y="1201271"/>
+            <a:ext cx="1739153" cy="896470"/>
+          </a:xfrm>
+          <a:prstGeom prst="roundRect">
+            <a:avLst/>
+          </a:prstGeom>
+          <a:solidFill>
+            <a:schemeClr val="accent5">
+              <a:alpha val="50000"/>
+            </a:schemeClr>
+          </a:solidFill>
+          <a:ln>
+            <a:noFill/>
+          </a:ln>
+        </p:spPr>
+        <p:style>
+          <a:lnRef idx="0">
+            <a:scrgbClr r="0" g="0" b="0"/>
+          </a:lnRef>
+          <a:fillRef idx="0">
+            <a:scrgbClr r="0" g="0" b="0"/>
+          </a:fillRef>
+          <a:effectRef idx="0">
+            <a:scrgbClr r="0" g="0" b="0"/>
+          </a:effectRef>
+          <a:fontRef idx="minor">
+            <a:schemeClr val="lt1"/>
+          </a:fontRef>
+        </p:style>
+        <p:txBody>
+          <a:bodyPr rtlCol="0" anchor="ctr"/>
+          <a:lstStyle/>
+          <a:p>
+            <a:pPr algn="ctr"/>
+            <a:r>
+              <a:rPr lang="en-GB" sz="1400" dirty="0">
+                <a:solidFill>
+                  <a:schemeClr val="tx1">
+                    <a:lumMod val="95000"/>
+                    <a:lumOff val="5000"/>
+                  </a:schemeClr>
+                </a:solidFill>
+              </a:rPr>
+              <a:t>User opens the website</a:t>
+            </a:r>
+            <a:endParaRPr lang="en-DE" sz="1400" dirty="0">
+              <a:solidFill>
+                <a:schemeClr val="tx1">
+                  <a:lumMod val="95000"/>
+                  <a:lumOff val="5000"/>
+                </a:schemeClr>
+              </a:solidFill>
+            </a:endParaRPr>
+          </a:p>
+        </p:txBody>
+      </p:sp>
+      <p:grpSp>
+        <p:nvGrpSpPr>
+          <p:cNvPr id="8" name="Group 7">
+            <a:extLst>
+              <a:ext uri="{FF2B5EF4-FFF2-40B4-BE49-F238E27FC236}">
+                <a16:creationId xmlns:a16="http://schemas.microsoft.com/office/drawing/2014/main" id="{51CB3104-074F-C4EC-9012-6679F80865F0}"/>
+              </a:ext>
+            </a:extLst>
+          </p:cNvPr>
+          <p:cNvGrpSpPr/>
+          <p:nvPr/>
+        </p:nvGrpSpPr>
+        <p:grpSpPr>
+          <a:xfrm>
+            <a:off x="2780925" y="1201271"/>
+            <a:ext cx="1739153" cy="896470"/>
+            <a:chOff x="4222376" y="1201271"/>
+            <a:chExt cx="1739153" cy="896470"/>
+          </a:xfrm>
+        </p:grpSpPr>
+        <p:sp>
+          <p:nvSpPr>
+            <p:cNvPr id="3" name="Rounded Rectangle 2">
+              <a:extLst>
+                <a:ext uri="{FF2B5EF4-FFF2-40B4-BE49-F238E27FC236}">
+                  <a16:creationId xmlns:a16="http://schemas.microsoft.com/office/drawing/2014/main" id="{ED73BF2C-AE95-C541-89AB-293AB1394792}"/>
+                </a:ext>
+              </a:extLst>
+            </p:cNvPr>
+            <p:cNvSpPr/>
+            <p:nvPr/>
+          </p:nvSpPr>
+          <p:spPr>
+            <a:xfrm>
+              <a:off x="4222376" y="1201271"/>
+              <a:ext cx="1739153" cy="896470"/>
+            </a:xfrm>
+            <a:prstGeom prst="roundRect">
+              <a:avLst/>
+            </a:prstGeom>
+            <a:solidFill>
+              <a:schemeClr val="accent5">
+                <a:alpha val="50000"/>
+              </a:schemeClr>
+            </a:solidFill>
+            <a:ln>
+              <a:noFill/>
+            </a:ln>
+          </p:spPr>
+          <p:style>
+            <a:lnRef idx="0">
+              <a:scrgbClr r="0" g="0" b="0"/>
+            </a:lnRef>
+            <a:fillRef idx="0">
+              <a:scrgbClr r="0" g="0" b="0"/>
+            </a:fillRef>
+            <a:effectRef idx="0">
+              <a:scrgbClr r="0" g="0" b="0"/>
+            </a:effectRef>
+            <a:fontRef idx="minor">
+              <a:schemeClr val="lt1"/>
+            </a:fontRef>
+          </p:style>
+          <p:txBody>
+            <a:bodyPr rtlCol="0" anchor="ctr"/>
+            <a:lstStyle/>
+            <a:p>
+              <a:pPr algn="ctr"/>
+              <a:r>
+                <a:rPr lang="en-GB" sz="1400" dirty="0">
+                  <a:solidFill>
+                    <a:schemeClr val="tx1">
+                      <a:lumMod val="95000"/>
+                      <a:lumOff val="5000"/>
+                    </a:schemeClr>
+                  </a:solidFill>
+                </a:rPr>
+                <a:t>Marketplace requires a wallet </a:t>
+              </a:r>
+              <a:endParaRPr lang="en-DE" sz="1400" dirty="0">
+                <a:solidFill>
+                  <a:schemeClr val="tx1">
+                    <a:lumMod val="95000"/>
+                    <a:lumOff val="5000"/>
+                  </a:schemeClr>
+                </a:solidFill>
+              </a:endParaRPr>
+            </a:p>
+          </p:txBody>
+        </p:sp>
+        <p:pic>
+          <p:nvPicPr>
+            <p:cNvPr id="4" name="Picture 4" descr="Explicación de MetaMask - CriptoMundo">
+              <a:extLst>
+                <a:ext uri="{FF2B5EF4-FFF2-40B4-BE49-F238E27FC236}">
+                  <a16:creationId xmlns:a16="http://schemas.microsoft.com/office/drawing/2014/main" id="{7A688DD4-EFCF-A4BD-78A4-4724DD32A2D0}"/>
+                </a:ext>
+              </a:extLst>
+            </p:cNvPr>
+            <p:cNvPicPr>
+              <a:picLocks noChangeAspect="1" noChangeArrowheads="1"/>
+            </p:cNvPicPr>
+            <p:nvPr/>
+          </p:nvPicPr>
+          <p:blipFill rotWithShape="1">
+            <a:blip r:embed="rId3">
+              <a:extLst>
+                <a:ext uri="{28A0092B-C50C-407E-A947-70E740481C1C}">
+                  <a14:useLocalDpi xmlns:a14="http://schemas.microsoft.com/office/drawing/2010/main" val="0"/>
+                </a:ext>
+              </a:extLst>
+            </a:blip>
+            <a:srcRect t="35305" b="34369"/>
+            <a:stretch/>
+          </p:blipFill>
+          <p:spPr bwMode="auto">
+            <a:xfrm>
+              <a:off x="4708336" y="1855854"/>
+              <a:ext cx="767232" cy="174500"/>
+            </a:xfrm>
+            <a:prstGeom prst="rect">
+              <a:avLst/>
+            </a:prstGeom>
+            <a:noFill/>
+            <a:extLst>
+              <a:ext uri="{909E8E84-426E-40DD-AFC4-6F175D3DCCD1}">
+                <a14:hiddenFill xmlns:a14="http://schemas.microsoft.com/office/drawing/2010/main">
+                  <a:solidFill>
+                    <a:srgbClr val="FFFFFF"/>
+                  </a:solidFill>
+                </a14:hiddenFill>
+              </a:ext>
+            </a:extLst>
+          </p:spPr>
+        </p:pic>
+      </p:grpSp>
+      <p:sp>
+        <p:nvSpPr>
+          <p:cNvPr id="5" name="Rounded Rectangle 4">
+            <a:extLst>
+              <a:ext uri="{FF2B5EF4-FFF2-40B4-BE49-F238E27FC236}">
+                <a16:creationId xmlns:a16="http://schemas.microsoft.com/office/drawing/2014/main" id="{EA7B0D0C-4143-F4C0-C429-516DCEDC25B9}"/>
+              </a:ext>
+            </a:extLst>
+          </p:cNvPr>
+          <p:cNvSpPr/>
+          <p:nvPr/>
+        </p:nvSpPr>
+        <p:spPr>
+          <a:xfrm>
+            <a:off x="5006038" y="1201271"/>
+            <a:ext cx="1739153" cy="896470"/>
+          </a:xfrm>
+          <a:prstGeom prst="roundRect">
+            <a:avLst/>
+          </a:prstGeom>
+          <a:solidFill>
+            <a:schemeClr val="accent5">
+              <a:alpha val="50000"/>
+            </a:schemeClr>
+          </a:solidFill>
+          <a:ln>
+            <a:noFill/>
+          </a:ln>
+        </p:spPr>
+        <p:style>
+          <a:lnRef idx="0">
+            <a:scrgbClr r="0" g="0" b="0"/>
+          </a:lnRef>
+          <a:fillRef idx="0">
+            <a:scrgbClr r="0" g="0" b="0"/>
+          </a:fillRef>
+          <a:effectRef idx="0">
+            <a:scrgbClr r="0" g="0" b="0"/>
+          </a:effectRef>
+          <a:fontRef idx="minor">
+            <a:schemeClr val="lt1"/>
+          </a:fontRef>
+        </p:style>
+        <p:txBody>
+          <a:bodyPr rtlCol="0" anchor="ctr"/>
+          <a:lstStyle/>
+          <a:p>
+            <a:pPr algn="ctr"/>
+            <a:r>
+              <a:rPr lang="en-GB" sz="1400" dirty="0">
+                <a:solidFill>
+                  <a:schemeClr val="tx1">
+                    <a:lumMod val="95000"/>
+                    <a:lumOff val="5000"/>
+                  </a:schemeClr>
+                </a:solidFill>
+              </a:rPr>
+              <a:t>User creates (mints) a NFT</a:t>
+            </a:r>
+            <a:endParaRPr lang="en-DE" sz="1400" dirty="0">
+              <a:solidFill>
+                <a:schemeClr val="tx1">
+                  <a:lumMod val="95000"/>
+                  <a:lumOff val="5000"/>
+                </a:schemeClr>
+              </a:solidFill>
+            </a:endParaRPr>
+          </a:p>
+        </p:txBody>
+      </p:sp>
+      <p:sp>
+        <p:nvSpPr>
+          <p:cNvPr id="6" name="Rounded Rectangle 5">
+            <a:extLst>
+              <a:ext uri="{FF2B5EF4-FFF2-40B4-BE49-F238E27FC236}">
+                <a16:creationId xmlns:a16="http://schemas.microsoft.com/office/drawing/2014/main" id="{173DE63C-76A6-E22E-712D-5425F3BDA664}"/>
+              </a:ext>
+            </a:extLst>
+          </p:cNvPr>
+          <p:cNvSpPr/>
+          <p:nvPr/>
+        </p:nvSpPr>
+        <p:spPr>
+          <a:xfrm>
+            <a:off x="7231151" y="1201271"/>
+            <a:ext cx="1739153" cy="896470"/>
+          </a:xfrm>
+          <a:prstGeom prst="roundRect">
+            <a:avLst/>
+          </a:prstGeom>
+          <a:solidFill>
+            <a:schemeClr val="accent5">
+              <a:alpha val="50000"/>
+            </a:schemeClr>
+          </a:solidFill>
+          <a:ln>
+            <a:noFill/>
+          </a:ln>
+        </p:spPr>
+        <p:style>
+          <a:lnRef idx="0">
+            <a:scrgbClr r="0" g="0" b="0"/>
+          </a:lnRef>
+          <a:fillRef idx="0">
+            <a:scrgbClr r="0" g="0" b="0"/>
+          </a:fillRef>
+          <a:effectRef idx="0">
+            <a:scrgbClr r="0" g="0" b="0"/>
+          </a:effectRef>
+          <a:fontRef idx="minor">
+            <a:schemeClr val="lt1"/>
+          </a:fontRef>
+        </p:style>
+        <p:txBody>
+          <a:bodyPr rtlCol="0" anchor="ctr"/>
+          <a:lstStyle/>
+          <a:p>
+            <a:pPr algn="ctr"/>
+            <a:r>
+              <a:rPr lang="en-GB" sz="1400" dirty="0">
+                <a:solidFill>
+                  <a:schemeClr val="tx1">
+                    <a:lumMod val="95000"/>
+                    <a:lumOff val="5000"/>
+                  </a:schemeClr>
+                </a:solidFill>
+              </a:rPr>
+              <a:t>User creates (mints) a NFT</a:t>
+            </a:r>
+            <a:endParaRPr lang="en-DE" sz="1400" dirty="0">
+              <a:solidFill>
+                <a:schemeClr val="tx1">
+                  <a:lumMod val="95000"/>
+                  <a:lumOff val="5000"/>
+                </a:schemeClr>
+              </a:solidFill>
+            </a:endParaRPr>
+          </a:p>
+        </p:txBody>
+      </p:sp>
+      <p:sp>
+        <p:nvSpPr>
+          <p:cNvPr id="9" name="Rounded Rectangle 8">
+            <a:extLst>
+              <a:ext uri="{FF2B5EF4-FFF2-40B4-BE49-F238E27FC236}">
+                <a16:creationId xmlns:a16="http://schemas.microsoft.com/office/drawing/2014/main" id="{BE709DA8-9612-C716-8BC8-A5BD191958C3}"/>
+              </a:ext>
+            </a:extLst>
+          </p:cNvPr>
+          <p:cNvSpPr/>
+          <p:nvPr/>
+        </p:nvSpPr>
+        <p:spPr>
+          <a:xfrm>
+            <a:off x="9456264" y="1201271"/>
+            <a:ext cx="1739153" cy="896470"/>
+          </a:xfrm>
+          <a:prstGeom prst="roundRect">
+            <a:avLst/>
+          </a:prstGeom>
+          <a:solidFill>
+            <a:schemeClr val="accent5">
+              <a:alpha val="50000"/>
+            </a:schemeClr>
+          </a:solidFill>
+          <a:ln>
+            <a:noFill/>
+          </a:ln>
+        </p:spPr>
+        <p:style>
+          <a:lnRef idx="0">
+            <a:scrgbClr r="0" g="0" b="0"/>
+          </a:lnRef>
+          <a:fillRef idx="0">
+            <a:scrgbClr r="0" g="0" b="0"/>
+          </a:fillRef>
+          <a:effectRef idx="0">
+            <a:scrgbClr r="0" g="0" b="0"/>
+          </a:effectRef>
+          <a:fontRef idx="minor">
+            <a:schemeClr val="lt1"/>
+          </a:fontRef>
+        </p:style>
+        <p:txBody>
+          <a:bodyPr rtlCol="0" anchor="ctr"/>
+          <a:lstStyle/>
+          <a:p>
+            <a:pPr algn="ctr"/>
+            <a:r>
+              <a:rPr lang="en-GB" sz="1400" dirty="0">
+                <a:solidFill>
+                  <a:schemeClr val="tx1">
+                    <a:lumMod val="95000"/>
+                    <a:lumOff val="5000"/>
+                  </a:schemeClr>
+                </a:solidFill>
+              </a:rPr>
+              <a:t>NFT is visible in users collection</a:t>
+            </a:r>
+            <a:endParaRPr lang="en-DE" sz="1400" dirty="0">
+              <a:solidFill>
+                <a:schemeClr val="tx1">
+                  <a:lumMod val="95000"/>
+                  <a:lumOff val="5000"/>
+                </a:schemeClr>
+              </a:solidFill>
+            </a:endParaRPr>
+          </a:p>
+        </p:txBody>
+      </p:sp>
+      <p:sp>
+        <p:nvSpPr>
+          <p:cNvPr id="10" name="Decision 9">
+            <a:extLst>
+              <a:ext uri="{FF2B5EF4-FFF2-40B4-BE49-F238E27FC236}">
+                <a16:creationId xmlns:a16="http://schemas.microsoft.com/office/drawing/2014/main" id="{E6E93543-7F39-DE9B-88A6-D740093AB96A}"/>
+              </a:ext>
+            </a:extLst>
+          </p:cNvPr>
+          <p:cNvSpPr/>
+          <p:nvPr/>
+        </p:nvSpPr>
+        <p:spPr>
+          <a:xfrm>
+            <a:off x="9456264" y="2541494"/>
+            <a:ext cx="1739153" cy="896469"/>
+          </a:xfrm>
+          <a:prstGeom prst="flowChartDecision">
+            <a:avLst/>
+          </a:prstGeom>
+          <a:solidFill>
+            <a:schemeClr val="accent5">
+              <a:alpha val="50000"/>
+            </a:schemeClr>
+          </a:solidFill>
+          <a:ln>
+            <a:solidFill>
+              <a:schemeClr val="tx1"/>
+            </a:solidFill>
+            <a:prstDash val="sysDash"/>
+          </a:ln>
+        </p:spPr>
+        <p:style>
+          <a:lnRef idx="0">
+            <a:scrgbClr r="0" g="0" b="0"/>
+          </a:lnRef>
+          <a:fillRef idx="0">
+            <a:scrgbClr r="0" g="0" b="0"/>
+          </a:fillRef>
+          <a:effectRef idx="0">
+            <a:scrgbClr r="0" g="0" b="0"/>
+          </a:effectRef>
+          <a:fontRef idx="minor">
+            <a:schemeClr val="lt1"/>
+          </a:fontRef>
+        </p:style>
+        <p:txBody>
+          <a:bodyPr rtlCol="0" anchor="ctr"/>
+          <a:lstStyle/>
+          <a:p>
+            <a:pPr algn="ctr"/>
+            <a:r>
+              <a:rPr lang="en-DE" sz="1100" dirty="0">
+                <a:solidFill>
+                  <a:schemeClr val="tx1">
+                    <a:lumMod val="95000"/>
+                    <a:lumOff val="5000"/>
+                  </a:schemeClr>
+                </a:solidFill>
+              </a:rPr>
+              <a:t>User sets NFT for sale</a:t>
+            </a:r>
+          </a:p>
+        </p:txBody>
+      </p:sp>
+      <p:sp>
+        <p:nvSpPr>
+          <p:cNvPr id="11" name="Rounded Rectangle 10">
+            <a:extLst>
+              <a:ext uri="{FF2B5EF4-FFF2-40B4-BE49-F238E27FC236}">
+                <a16:creationId xmlns:a16="http://schemas.microsoft.com/office/drawing/2014/main" id="{7517E12F-24C2-DE57-87A4-46EA735BC4F2}"/>
+              </a:ext>
+            </a:extLst>
+          </p:cNvPr>
+          <p:cNvSpPr/>
+          <p:nvPr/>
+        </p:nvSpPr>
+        <p:spPr>
+          <a:xfrm>
+            <a:off x="7231151" y="2532530"/>
+            <a:ext cx="1739153" cy="896470"/>
+          </a:xfrm>
+          <a:prstGeom prst="roundRect">
+            <a:avLst/>
+          </a:prstGeom>
+          <a:solidFill>
+            <a:schemeClr val="accent5">
+              <a:alpha val="50000"/>
+            </a:schemeClr>
+          </a:solidFill>
+          <a:ln>
+            <a:noFill/>
+          </a:ln>
+        </p:spPr>
+        <p:style>
+          <a:lnRef idx="0">
+            <a:scrgbClr r="0" g="0" b="0"/>
+          </a:lnRef>
+          <a:fillRef idx="0">
+            <a:scrgbClr r="0" g="0" b="0"/>
+          </a:fillRef>
+          <a:effectRef idx="0">
+            <a:scrgbClr r="0" g="0" b="0"/>
+          </a:effectRef>
+          <a:fontRef idx="minor">
+            <a:schemeClr val="lt1"/>
+          </a:fontRef>
+        </p:style>
+        <p:txBody>
+          <a:bodyPr rtlCol="0" anchor="ctr"/>
+          <a:lstStyle/>
+          <a:p>
+            <a:pPr algn="ctr"/>
+            <a:r>
+              <a:rPr lang="en-GB" sz="1400" dirty="0">
+                <a:solidFill>
+                  <a:schemeClr val="tx1">
+                    <a:lumMod val="95000"/>
+                    <a:lumOff val="5000"/>
+                  </a:schemeClr>
+                </a:solidFill>
+              </a:rPr>
+              <a:t>Other user can buy the NFT</a:t>
+            </a:r>
+            <a:endParaRPr lang="en-DE" sz="1400" dirty="0">
+              <a:solidFill>
+                <a:schemeClr val="tx1">
+                  <a:lumMod val="95000"/>
+                  <a:lumOff val="5000"/>
+                </a:schemeClr>
+              </a:solidFill>
+            </a:endParaRPr>
+          </a:p>
+        </p:txBody>
+      </p:sp>
+      <p:sp>
+        <p:nvSpPr>
+          <p:cNvPr id="12" name="Rounded Rectangle 11">
+            <a:extLst>
+              <a:ext uri="{FF2B5EF4-FFF2-40B4-BE49-F238E27FC236}">
+                <a16:creationId xmlns:a16="http://schemas.microsoft.com/office/drawing/2014/main" id="{6BD3362E-188C-A4E9-CF28-CBF1101C9E88}"/>
+              </a:ext>
+            </a:extLst>
+          </p:cNvPr>
+          <p:cNvSpPr/>
+          <p:nvPr/>
+        </p:nvSpPr>
+        <p:spPr>
+          <a:xfrm>
+            <a:off x="4034118" y="2541494"/>
+            <a:ext cx="2711074" cy="896470"/>
+          </a:xfrm>
+          <a:prstGeom prst="roundRect">
+            <a:avLst/>
+          </a:prstGeom>
+          <a:solidFill>
+            <a:schemeClr val="accent5">
+              <a:alpha val="50000"/>
+            </a:schemeClr>
+          </a:solidFill>
+          <a:ln>
+            <a:noFill/>
+          </a:ln>
+        </p:spPr>
+        <p:style>
+          <a:lnRef idx="0">
+            <a:scrgbClr r="0" g="0" b="0"/>
+          </a:lnRef>
+          <a:fillRef idx="0">
+            <a:scrgbClr r="0" g="0" b="0"/>
+          </a:fillRef>
+          <a:effectRef idx="0">
+            <a:scrgbClr r="0" g="0" b="0"/>
+          </a:effectRef>
+          <a:fontRef idx="minor">
+            <a:schemeClr val="lt1"/>
+          </a:fontRef>
+        </p:style>
+        <p:txBody>
+          <a:bodyPr rtlCol="0" anchor="ctr"/>
+          <a:lstStyle/>
+          <a:p>
+            <a:pPr algn="ctr"/>
+            <a:r>
+              <a:rPr lang="en-GB" sz="1400" dirty="0">
+                <a:solidFill>
+                  <a:schemeClr val="tx1">
+                    <a:lumMod val="95000"/>
+                    <a:lumOff val="5000"/>
+                  </a:schemeClr>
+                </a:solidFill>
+              </a:rPr>
+              <a:t>The marketplace will handle the transfer of funds, ownership and removes the NFT from sale</a:t>
+            </a:r>
+            <a:endParaRPr lang="en-DE" sz="1400" dirty="0">
+              <a:solidFill>
+                <a:schemeClr val="tx1">
+                  <a:lumMod val="95000"/>
+                  <a:lumOff val="5000"/>
+                </a:schemeClr>
+              </a:solidFill>
+            </a:endParaRPr>
+          </a:p>
+        </p:txBody>
+      </p:sp>
+      <p:cxnSp>
+        <p:nvCxnSpPr>
+          <p:cNvPr id="14" name="Straight Arrow Connector 13">
+            <a:extLst>
+              <a:ext uri="{FF2B5EF4-FFF2-40B4-BE49-F238E27FC236}">
+                <a16:creationId xmlns:a16="http://schemas.microsoft.com/office/drawing/2014/main" id="{09ACCC1C-0784-BDA8-B663-4AF7FB408DB5}"/>
+              </a:ext>
+            </a:extLst>
+          </p:cNvPr>
+          <p:cNvCxnSpPr>
+            <a:stCxn id="2" idx="3"/>
+            <a:endCxn id="3" idx="1"/>
+          </p:cNvCxnSpPr>
+          <p:nvPr/>
+        </p:nvCxnSpPr>
+        <p:spPr>
+          <a:xfrm>
+            <a:off x="2294965" y="1649506"/>
+            <a:ext cx="485960" cy="0"/>
+          </a:xfrm>
+          <a:prstGeom prst="straightConnector1">
+            <a:avLst/>
+          </a:prstGeom>
+          <a:ln>
+            <a:tailEnd type="triangle"/>
+          </a:ln>
+        </p:spPr>
+        <p:style>
+          <a:lnRef idx="3">
+            <a:schemeClr val="accent1"/>
+          </a:lnRef>
+          <a:fillRef idx="0">
+            <a:schemeClr val="accent1"/>
+          </a:fillRef>
+          <a:effectRef idx="2">
+            <a:schemeClr val="accent1"/>
+          </a:effectRef>
+          <a:fontRef idx="minor">
+            <a:schemeClr val="tx1"/>
+          </a:fontRef>
+        </p:style>
+      </p:cxnSp>
+      <p:cxnSp>
+        <p:nvCxnSpPr>
+          <p:cNvPr id="15" name="Straight Arrow Connector 14">
+            <a:extLst>
+              <a:ext uri="{FF2B5EF4-FFF2-40B4-BE49-F238E27FC236}">
+                <a16:creationId xmlns:a16="http://schemas.microsoft.com/office/drawing/2014/main" id="{2A6452CF-34ED-13C6-74F4-2FB66ADDC006}"/>
+              </a:ext>
+            </a:extLst>
+          </p:cNvPr>
+          <p:cNvCxnSpPr/>
+          <p:nvPr/>
+        </p:nvCxnSpPr>
+        <p:spPr>
+          <a:xfrm>
+            <a:off x="4520078" y="1658471"/>
+            <a:ext cx="485960" cy="0"/>
+          </a:xfrm>
+          <a:prstGeom prst="straightConnector1">
+            <a:avLst/>
+          </a:prstGeom>
+          <a:ln>
+            <a:tailEnd type="triangle"/>
+          </a:ln>
+        </p:spPr>
+        <p:style>
+          <a:lnRef idx="3">
+            <a:schemeClr val="accent1"/>
+          </a:lnRef>
+          <a:fillRef idx="0">
+            <a:schemeClr val="accent1"/>
+          </a:fillRef>
+          <a:effectRef idx="2">
+            <a:schemeClr val="accent1"/>
+          </a:effectRef>
+          <a:fontRef idx="minor">
+            <a:schemeClr val="tx1"/>
+          </a:fontRef>
+        </p:style>
+      </p:cxnSp>
+      <p:cxnSp>
+        <p:nvCxnSpPr>
+          <p:cNvPr id="16" name="Straight Arrow Connector 15">
+            <a:extLst>
+              <a:ext uri="{FF2B5EF4-FFF2-40B4-BE49-F238E27FC236}">
+                <a16:creationId xmlns:a16="http://schemas.microsoft.com/office/drawing/2014/main" id="{6CC3A330-14D4-CC94-218D-BCAD5075B8C8}"/>
+              </a:ext>
+            </a:extLst>
+          </p:cNvPr>
+          <p:cNvCxnSpPr/>
+          <p:nvPr/>
+        </p:nvCxnSpPr>
+        <p:spPr>
+          <a:xfrm>
+            <a:off x="6745191" y="1667436"/>
+            <a:ext cx="485960" cy="0"/>
+          </a:xfrm>
+          <a:prstGeom prst="straightConnector1">
+            <a:avLst/>
+          </a:prstGeom>
+          <a:ln>
+            <a:tailEnd type="triangle"/>
+          </a:ln>
+        </p:spPr>
+        <p:style>
+          <a:lnRef idx="3">
+            <a:schemeClr val="accent1"/>
+          </a:lnRef>
+          <a:fillRef idx="0">
+            <a:schemeClr val="accent1"/>
+          </a:fillRef>
+          <a:effectRef idx="2">
+            <a:schemeClr val="accent1"/>
+          </a:effectRef>
+          <a:fontRef idx="minor">
+            <a:schemeClr val="tx1"/>
+          </a:fontRef>
+        </p:style>
+      </p:cxnSp>
+      <p:cxnSp>
+        <p:nvCxnSpPr>
+          <p:cNvPr id="17" name="Straight Arrow Connector 16">
+            <a:extLst>
+              <a:ext uri="{FF2B5EF4-FFF2-40B4-BE49-F238E27FC236}">
+                <a16:creationId xmlns:a16="http://schemas.microsoft.com/office/drawing/2014/main" id="{6D4E686D-2E90-590D-B66D-663678C536A2}"/>
+              </a:ext>
+            </a:extLst>
+          </p:cNvPr>
+          <p:cNvCxnSpPr/>
+          <p:nvPr/>
+        </p:nvCxnSpPr>
+        <p:spPr>
+          <a:xfrm>
+            <a:off x="8970304" y="1649506"/>
+            <a:ext cx="485960" cy="0"/>
+          </a:xfrm>
+          <a:prstGeom prst="straightConnector1">
+            <a:avLst/>
+          </a:prstGeom>
+          <a:ln>
+            <a:tailEnd type="triangle"/>
+          </a:ln>
+        </p:spPr>
+        <p:style>
+          <a:lnRef idx="3">
+            <a:schemeClr val="accent1"/>
+          </a:lnRef>
+          <a:fillRef idx="0">
+            <a:schemeClr val="accent1"/>
+          </a:fillRef>
+          <a:effectRef idx="2">
+            <a:schemeClr val="accent1"/>
+          </a:effectRef>
+          <a:fontRef idx="minor">
+            <a:schemeClr val="tx1"/>
+          </a:fontRef>
+        </p:style>
+      </p:cxnSp>
+      <p:cxnSp>
+        <p:nvCxnSpPr>
+          <p:cNvPr id="18" name="Straight Arrow Connector 17">
+            <a:extLst>
+              <a:ext uri="{FF2B5EF4-FFF2-40B4-BE49-F238E27FC236}">
+                <a16:creationId xmlns:a16="http://schemas.microsoft.com/office/drawing/2014/main" id="{453B2316-062B-D4F6-1675-BA6E02EB5072}"/>
+              </a:ext>
+            </a:extLst>
+          </p:cNvPr>
+          <p:cNvCxnSpPr>
+            <a:cxnSpLocks/>
+            <a:stCxn id="9" idx="2"/>
+            <a:endCxn id="10" idx="0"/>
+          </p:cNvCxnSpPr>
+          <p:nvPr/>
+        </p:nvCxnSpPr>
+        <p:spPr>
+          <a:xfrm>
+            <a:off x="10325841" y="2097741"/>
+            <a:ext cx="0" cy="443753"/>
+          </a:xfrm>
+          <a:prstGeom prst="straightConnector1">
+            <a:avLst/>
+          </a:prstGeom>
+          <a:ln>
+            <a:tailEnd type="triangle"/>
+          </a:ln>
+        </p:spPr>
+        <p:style>
+          <a:lnRef idx="3">
+            <a:schemeClr val="accent1"/>
+          </a:lnRef>
+          <a:fillRef idx="0">
+            <a:schemeClr val="accent1"/>
+          </a:fillRef>
+          <a:effectRef idx="2">
+            <a:schemeClr val="accent1"/>
+          </a:effectRef>
+          <a:fontRef idx="minor">
+            <a:schemeClr val="tx1"/>
+          </a:fontRef>
+        </p:style>
+      </p:cxnSp>
+      <p:cxnSp>
+        <p:nvCxnSpPr>
+          <p:cNvPr id="21" name="Straight Arrow Connector 20">
+            <a:extLst>
+              <a:ext uri="{FF2B5EF4-FFF2-40B4-BE49-F238E27FC236}">
+                <a16:creationId xmlns:a16="http://schemas.microsoft.com/office/drawing/2014/main" id="{F2482FA2-1D35-2D1B-2116-2DB6D2027728}"/>
+              </a:ext>
+            </a:extLst>
+          </p:cNvPr>
+          <p:cNvCxnSpPr>
+            <a:cxnSpLocks/>
+            <a:stCxn id="10" idx="1"/>
+            <a:endCxn id="11" idx="3"/>
+          </p:cNvCxnSpPr>
+          <p:nvPr/>
+        </p:nvCxnSpPr>
+        <p:spPr>
+          <a:xfrm flipH="1" flipV="1">
+            <a:off x="8970304" y="2980765"/>
+            <a:ext cx="485960" cy="0"/>
+          </a:xfrm>
+          <a:prstGeom prst="straightConnector1">
+            <a:avLst/>
+          </a:prstGeom>
+          <a:ln>
+            <a:tailEnd type="triangle"/>
+          </a:ln>
+        </p:spPr>
+        <p:style>
+          <a:lnRef idx="3">
+            <a:schemeClr val="accent1"/>
+          </a:lnRef>
+          <a:fillRef idx="0">
+            <a:schemeClr val="accent1"/>
+          </a:fillRef>
+          <a:effectRef idx="2">
+            <a:schemeClr val="accent1"/>
+          </a:effectRef>
+          <a:fontRef idx="minor">
+            <a:schemeClr val="tx1"/>
+          </a:fontRef>
+        </p:style>
+      </p:cxnSp>
+      <p:cxnSp>
+        <p:nvCxnSpPr>
+          <p:cNvPr id="26" name="Straight Arrow Connector 25">
+            <a:extLst>
+              <a:ext uri="{FF2B5EF4-FFF2-40B4-BE49-F238E27FC236}">
+                <a16:creationId xmlns:a16="http://schemas.microsoft.com/office/drawing/2014/main" id="{096F32D6-FB1E-E02B-0F81-924384729977}"/>
+              </a:ext>
+            </a:extLst>
+          </p:cNvPr>
+          <p:cNvCxnSpPr>
+            <a:cxnSpLocks/>
+          </p:cNvCxnSpPr>
+          <p:nvPr/>
+        </p:nvCxnSpPr>
+        <p:spPr>
+          <a:xfrm flipH="1" flipV="1">
+            <a:off x="6741824" y="3003175"/>
+            <a:ext cx="485960" cy="0"/>
+          </a:xfrm>
+          <a:prstGeom prst="straightConnector1">
+            <a:avLst/>
+          </a:prstGeom>
+          <a:ln>
+            <a:tailEnd type="triangle"/>
+          </a:ln>
+        </p:spPr>
+        <p:style>
+          <a:lnRef idx="3">
+            <a:schemeClr val="accent1"/>
+          </a:lnRef>
+          <a:fillRef idx="0">
+            <a:schemeClr val="accent1"/>
+          </a:fillRef>
+          <a:effectRef idx="2">
+            <a:schemeClr val="accent1"/>
+          </a:effectRef>
+          <a:fontRef idx="minor">
+            <a:schemeClr val="tx1"/>
+          </a:fontRef>
+        </p:style>
+      </p:cxnSp>
+      <p:cxnSp>
+        <p:nvCxnSpPr>
+          <p:cNvPr id="28" name="Elbow Connector 27">
+            <a:extLst>
+              <a:ext uri="{FF2B5EF4-FFF2-40B4-BE49-F238E27FC236}">
+                <a16:creationId xmlns:a16="http://schemas.microsoft.com/office/drawing/2014/main" id="{89D0AAF4-EF74-6C78-E0FC-74AF42F76833}"/>
+              </a:ext>
+            </a:extLst>
+          </p:cNvPr>
+          <p:cNvCxnSpPr>
+            <a:stCxn id="12" idx="2"/>
+            <a:endCxn id="9" idx="3"/>
+          </p:cNvCxnSpPr>
+          <p:nvPr/>
+        </p:nvCxnSpPr>
+        <p:spPr>
+          <a:xfrm rot="5400000" flipH="1" flipV="1">
+            <a:off x="7398307" y="-359146"/>
+            <a:ext cx="1788458" cy="5805762"/>
+          </a:xfrm>
+          <a:prstGeom prst="bentConnector4">
+            <a:avLst>
+              <a:gd name="adj1" fmla="val -12782"/>
+              <a:gd name="adj2" fmla="val 103937"/>
+            </a:avLst>
+          </a:prstGeom>
+          <a:ln>
+            <a:tailEnd type="triangle"/>
+          </a:ln>
+        </p:spPr>
+        <p:style>
+          <a:lnRef idx="3">
+            <a:schemeClr val="accent1"/>
+          </a:lnRef>
+          <a:fillRef idx="0">
+            <a:schemeClr val="accent1"/>
+          </a:fillRef>
+          <a:effectRef idx="2">
+            <a:schemeClr val="accent1"/>
+          </a:effectRef>
+          <a:fontRef idx="minor">
+            <a:schemeClr val="tx1"/>
+          </a:fontRef>
+        </p:style>
+      </p:cxnSp>
+    </p:spTree>
+    <p:extLst>
+      <p:ext uri="{BB962C8B-B14F-4D97-AF65-F5344CB8AC3E}">
+        <p14:creationId xmlns:p14="http://schemas.microsoft.com/office/powerpoint/2010/main" val="1187834513"/>
+      </p:ext>
+    </p:extLst>
+  </p:cSld>
+  <p:clrMapOvr>
+    <a:masterClrMapping/>
+  </p:clrMapOvr>
+</p:sld>
+</file>
+
+<file path=ppt/slides/slide3.xml><?xml version="1.0" encoding="utf-8"?>
+<p:sld xmlns:a="http://schemas.openxmlformats.org/drawingml/2006/main" xmlns:r="http://schemas.openxmlformats.org/officeDocument/2006/relationships" xmlns:p="http://schemas.openxmlformats.org/presentationml/2006/main">
+  <p:cSld>
+    <p:spTree>
+      <p:nvGrpSpPr>
+        <p:cNvPr id="1" name=""/>
+        <p:cNvGrpSpPr/>
+        <p:nvPr/>
+      </p:nvGrpSpPr>
+      <p:grpSpPr>
+        <a:xfrm>
+          <a:off x="0" y="0"/>
+          <a:ext cx="0" cy="0"/>
+          <a:chOff x="0" y="0"/>
+          <a:chExt cx="0" cy="0"/>
+        </a:xfrm>
+      </p:grpSpPr>
+      <p:sp>
+        <p:nvSpPr>
+          <p:cNvPr id="2" name="Rounded Rectangle 1">
+            <a:extLst>
+              <a:ext uri="{FF2B5EF4-FFF2-40B4-BE49-F238E27FC236}">
+                <a16:creationId xmlns:a16="http://schemas.microsoft.com/office/drawing/2014/main" id="{5945464F-702D-B881-3F88-C5C49D991580}"/>
+              </a:ext>
+            </a:extLst>
+          </p:cNvPr>
+          <p:cNvSpPr/>
+          <p:nvPr/>
+        </p:nvSpPr>
+        <p:spPr>
+          <a:xfrm>
+            <a:off x="2420470" y="2259103"/>
+            <a:ext cx="1891553" cy="842683"/>
+          </a:xfrm>
+          <a:prstGeom prst="roundRect">
+            <a:avLst/>
+          </a:prstGeom>
+        </p:spPr>
+        <p:style>
+          <a:lnRef idx="2">
+            <a:schemeClr val="dk1"/>
+          </a:lnRef>
+          <a:fillRef idx="1">
+            <a:schemeClr val="lt1"/>
+          </a:fillRef>
+          <a:effectRef idx="0">
+            <a:schemeClr val="dk1"/>
+          </a:effectRef>
+          <a:fontRef idx="minor">
+            <a:schemeClr val="dk1"/>
+          </a:fontRef>
+        </p:style>
+        <p:txBody>
+          <a:bodyPr rtlCol="0" anchor="ctr"/>
+          <a:lstStyle/>
+          <a:p>
+            <a:pPr algn="ctr"/>
+            <a:r>
+              <a:rPr lang="en-DE" sz="1400" dirty="0"/>
+              <a:t>Backend</a:t>
+            </a:r>
+          </a:p>
+          <a:p>
+            <a:pPr algn="ctr"/>
+            <a:r>
+              <a:rPr lang="en-DE" sz="1400" dirty="0"/>
+              <a:t>(Metadata and Image)</a:t>
+            </a:r>
+          </a:p>
+        </p:txBody>
+      </p:sp>
+      <p:sp>
+        <p:nvSpPr>
+          <p:cNvPr id="3" name="Rounded Rectangle 2">
+            <a:extLst>
+              <a:ext uri="{FF2B5EF4-FFF2-40B4-BE49-F238E27FC236}">
+                <a16:creationId xmlns:a16="http://schemas.microsoft.com/office/drawing/2014/main" id="{5C432596-6FD2-112E-B2D1-EB48000A4002}"/>
+              </a:ext>
+            </a:extLst>
+          </p:cNvPr>
+          <p:cNvSpPr/>
+          <p:nvPr/>
+        </p:nvSpPr>
+        <p:spPr>
+          <a:xfrm>
+            <a:off x="5150223" y="2259103"/>
+            <a:ext cx="1891553" cy="842683"/>
+          </a:xfrm>
+          <a:prstGeom prst="roundRect">
+            <a:avLst/>
+          </a:prstGeom>
+        </p:spPr>
+        <p:style>
+          <a:lnRef idx="2">
+            <a:schemeClr val="dk1"/>
+          </a:lnRef>
+          <a:fillRef idx="1">
+            <a:schemeClr val="lt1"/>
+          </a:fillRef>
+          <a:effectRef idx="0">
+            <a:schemeClr val="dk1"/>
+          </a:effectRef>
+          <a:fontRef idx="minor">
+            <a:schemeClr val="dk1"/>
+          </a:fontRef>
+        </p:style>
+        <p:txBody>
+          <a:bodyPr rtlCol="0" anchor="ctr"/>
+          <a:lstStyle/>
+          <a:p>
+            <a:pPr algn="ctr"/>
+            <a:r>
+              <a:rPr lang="en-DE" sz="1400" dirty="0"/>
+              <a:t>Frontend</a:t>
+            </a:r>
+          </a:p>
+        </p:txBody>
+      </p:sp>
+      <p:sp>
+        <p:nvSpPr>
+          <p:cNvPr id="4" name="Rounded Rectangle 3">
+            <a:extLst>
+              <a:ext uri="{FF2B5EF4-FFF2-40B4-BE49-F238E27FC236}">
+                <a16:creationId xmlns:a16="http://schemas.microsoft.com/office/drawing/2014/main" id="{4C2FB1F7-4628-62C3-5BF5-92837130ABE9}"/>
+              </a:ext>
+            </a:extLst>
+          </p:cNvPr>
+          <p:cNvSpPr/>
+          <p:nvPr/>
+        </p:nvSpPr>
+        <p:spPr>
+          <a:xfrm>
+            <a:off x="7879977" y="2259102"/>
+            <a:ext cx="1891553" cy="842683"/>
+          </a:xfrm>
+          <a:prstGeom prst="roundRect">
+            <a:avLst/>
+          </a:prstGeom>
+        </p:spPr>
+        <p:style>
+          <a:lnRef idx="2">
+            <a:schemeClr val="dk1"/>
+          </a:lnRef>
+          <a:fillRef idx="1">
+            <a:schemeClr val="lt1"/>
+          </a:fillRef>
+          <a:effectRef idx="0">
+            <a:schemeClr val="dk1"/>
+          </a:effectRef>
+          <a:fontRef idx="minor">
+            <a:schemeClr val="dk1"/>
+          </a:fontRef>
+        </p:style>
+        <p:txBody>
+          <a:bodyPr rtlCol="0" anchor="ctr"/>
+          <a:lstStyle/>
+          <a:p>
+            <a:pPr algn="ctr"/>
+            <a:r>
+              <a:rPr lang="en-DE" sz="1400" dirty="0"/>
+              <a:t>NFT Smart Contract</a:t>
+            </a:r>
+          </a:p>
+        </p:txBody>
+      </p:sp>
+      <p:cxnSp>
+        <p:nvCxnSpPr>
+          <p:cNvPr id="6" name="Straight Arrow Connector 5">
+            <a:extLst>
+              <a:ext uri="{FF2B5EF4-FFF2-40B4-BE49-F238E27FC236}">
+                <a16:creationId xmlns:a16="http://schemas.microsoft.com/office/drawing/2014/main" id="{0E822054-4302-5FFE-A85B-26C56864821A}"/>
+              </a:ext>
+            </a:extLst>
+          </p:cNvPr>
+          <p:cNvCxnSpPr/>
+          <p:nvPr/>
+        </p:nvCxnSpPr>
+        <p:spPr>
+          <a:xfrm>
+            <a:off x="4312023" y="2510118"/>
+            <a:ext cx="838200" cy="0"/>
+          </a:xfrm>
+          <a:prstGeom prst="straightConnector1">
+            <a:avLst/>
+          </a:prstGeom>
+          <a:ln>
+            <a:tailEnd type="triangle"/>
+          </a:ln>
+        </p:spPr>
+        <p:style>
+          <a:lnRef idx="1">
+            <a:schemeClr val="accent1"/>
+          </a:lnRef>
+          <a:fillRef idx="0">
+            <a:schemeClr val="accent1"/>
+          </a:fillRef>
+          <a:effectRef idx="0">
+            <a:schemeClr val="accent1"/>
+          </a:effectRef>
+          <a:fontRef idx="minor">
+            <a:schemeClr val="tx1"/>
+          </a:fontRef>
+        </p:style>
+      </p:cxnSp>
+      <p:cxnSp>
+        <p:nvCxnSpPr>
+          <p:cNvPr id="7" name="Straight Arrow Connector 6">
+            <a:extLst>
+              <a:ext uri="{FF2B5EF4-FFF2-40B4-BE49-F238E27FC236}">
+                <a16:creationId xmlns:a16="http://schemas.microsoft.com/office/drawing/2014/main" id="{D7AE58DF-69E7-97FC-97EE-C68FD99BFF9E}"/>
+              </a:ext>
+            </a:extLst>
+          </p:cNvPr>
+          <p:cNvCxnSpPr/>
+          <p:nvPr/>
+        </p:nvCxnSpPr>
+        <p:spPr>
+          <a:xfrm>
+            <a:off x="4312023" y="2868706"/>
+            <a:ext cx="838200" cy="0"/>
+          </a:xfrm>
+          <a:prstGeom prst="straightConnector1">
+            <a:avLst/>
+          </a:prstGeom>
+          <a:ln>
+            <a:tailEnd type="triangle"/>
+          </a:ln>
+        </p:spPr>
+        <p:style>
+          <a:lnRef idx="1">
+            <a:schemeClr val="accent1"/>
+          </a:lnRef>
+          <a:fillRef idx="0">
+            <a:schemeClr val="accent1"/>
+          </a:fillRef>
+          <a:effectRef idx="0">
+            <a:schemeClr val="accent1"/>
+          </a:effectRef>
+          <a:fontRef idx="minor">
+            <a:schemeClr val="tx1"/>
+          </a:fontRef>
+        </p:style>
+      </p:cxnSp>
+      <p:cxnSp>
+        <p:nvCxnSpPr>
+          <p:cNvPr id="8" name="Straight Arrow Connector 7">
+            <a:extLst>
+              <a:ext uri="{FF2B5EF4-FFF2-40B4-BE49-F238E27FC236}">
+                <a16:creationId xmlns:a16="http://schemas.microsoft.com/office/drawing/2014/main" id="{188A4D0A-4B89-FD0C-F154-5A933A7D9415}"/>
+              </a:ext>
+            </a:extLst>
+          </p:cNvPr>
+          <p:cNvCxnSpPr>
+            <a:cxnSpLocks/>
+          </p:cNvCxnSpPr>
+          <p:nvPr/>
+        </p:nvCxnSpPr>
+        <p:spPr>
+          <a:xfrm flipH="1">
+            <a:off x="7041776" y="2680444"/>
+            <a:ext cx="838201" cy="0"/>
+          </a:xfrm>
+          <a:prstGeom prst="straightConnector1">
+            <a:avLst/>
+          </a:prstGeom>
+          <a:ln>
+            <a:tailEnd type="triangle"/>
+          </a:ln>
+        </p:spPr>
+        <p:style>
+          <a:lnRef idx="1">
+            <a:schemeClr val="accent1"/>
+          </a:lnRef>
+          <a:fillRef idx="0">
+            <a:schemeClr val="accent1"/>
+          </a:fillRef>
+          <a:effectRef idx="0">
+            <a:schemeClr val="accent1"/>
+          </a:effectRef>
+          <a:fontRef idx="minor">
+            <a:schemeClr val="tx1"/>
+          </a:fontRef>
+        </p:style>
+      </p:cxnSp>
+      <p:sp>
+        <p:nvSpPr>
+          <p:cNvPr id="11" name="TextBox 10">
+            <a:extLst>
+              <a:ext uri="{FF2B5EF4-FFF2-40B4-BE49-F238E27FC236}">
+                <a16:creationId xmlns:a16="http://schemas.microsoft.com/office/drawing/2014/main" id="{735D6263-A830-9C50-ED33-C538A8573A1D}"/>
+              </a:ext>
+            </a:extLst>
+          </p:cNvPr>
+          <p:cNvSpPr txBox="1"/>
+          <p:nvPr/>
+        </p:nvSpPr>
+        <p:spPr>
+          <a:xfrm>
+            <a:off x="6826624" y="2418833"/>
+            <a:ext cx="1268506" cy="261610"/>
+          </a:xfrm>
+          <a:prstGeom prst="rect">
+            <a:avLst/>
+          </a:prstGeom>
+          <a:noFill/>
+        </p:spPr>
+        <p:txBody>
+          <a:bodyPr wrap="square" rtlCol="0">
+            <a:spAutoFit/>
+          </a:bodyPr>
+          <a:lstStyle/>
+          <a:p>
+            <a:pPr algn="ctr"/>
+            <a:r>
+              <a:rPr lang="en-DE" sz="1050" dirty="0"/>
+              <a:t>URI of NFT</a:t>
+            </a:r>
+          </a:p>
+        </p:txBody>
+      </p:sp>
+      <p:sp>
+        <p:nvSpPr>
+          <p:cNvPr id="12" name="TextBox 11">
+            <a:extLst>
+              <a:ext uri="{FF2B5EF4-FFF2-40B4-BE49-F238E27FC236}">
+                <a16:creationId xmlns:a16="http://schemas.microsoft.com/office/drawing/2014/main" id="{43769B37-BDD4-2FF1-306C-19FECC1E6792}"/>
+              </a:ext>
+            </a:extLst>
+          </p:cNvPr>
+          <p:cNvSpPr txBox="1"/>
+          <p:nvPr/>
+        </p:nvSpPr>
+        <p:spPr>
+          <a:xfrm>
+            <a:off x="4096870" y="2259102"/>
+            <a:ext cx="1268506" cy="261610"/>
+          </a:xfrm>
+          <a:prstGeom prst="rect">
+            <a:avLst/>
+          </a:prstGeom>
+          <a:noFill/>
+        </p:spPr>
+        <p:txBody>
+          <a:bodyPr wrap="square" rtlCol="0">
+            <a:spAutoFit/>
+          </a:bodyPr>
+          <a:lstStyle/>
+          <a:p>
+            <a:pPr algn="ctr"/>
+            <a:r>
+              <a:rPr lang="en-DE" sz="1050" dirty="0"/>
+              <a:t>Metadata</a:t>
+            </a:r>
+          </a:p>
+        </p:txBody>
+      </p:sp>
+      <p:sp>
+        <p:nvSpPr>
+          <p:cNvPr id="13" name="TextBox 12">
+            <a:extLst>
+              <a:ext uri="{FF2B5EF4-FFF2-40B4-BE49-F238E27FC236}">
+                <a16:creationId xmlns:a16="http://schemas.microsoft.com/office/drawing/2014/main" id="{D63AA066-0B40-E800-86F7-1C5D3DF3A514}"/>
+              </a:ext>
+            </a:extLst>
+          </p:cNvPr>
+          <p:cNvSpPr txBox="1"/>
+          <p:nvPr/>
+        </p:nvSpPr>
+        <p:spPr>
+          <a:xfrm>
+            <a:off x="4096870" y="2630329"/>
+            <a:ext cx="1268506" cy="261610"/>
+          </a:xfrm>
+          <a:prstGeom prst="rect">
+            <a:avLst/>
+          </a:prstGeom>
+          <a:noFill/>
+        </p:spPr>
+        <p:txBody>
+          <a:bodyPr wrap="square" rtlCol="0">
+            <a:spAutoFit/>
+          </a:bodyPr>
+          <a:lstStyle/>
+          <a:p>
+            <a:pPr algn="ctr"/>
+            <a:r>
+              <a:rPr lang="en-DE" sz="1050" dirty="0"/>
+              <a:t>Image</a:t>
+            </a:r>
+          </a:p>
+        </p:txBody>
+      </p:sp>
+      <p:pic>
+        <p:nvPicPr>
+          <p:cNvPr id="14" name="Picture 30">
+            <a:extLst>
+              <a:ext uri="{FF2B5EF4-FFF2-40B4-BE49-F238E27FC236}">
+                <a16:creationId xmlns:a16="http://schemas.microsoft.com/office/drawing/2014/main" id="{C8178B8A-25D9-66E7-C0A2-AB316D07039C}"/>
+              </a:ext>
+            </a:extLst>
+          </p:cNvPr>
+          <p:cNvPicPr>
+            <a:picLocks noChangeAspect="1" noChangeArrowheads="1"/>
+          </p:cNvPicPr>
+          <p:nvPr/>
+        </p:nvPicPr>
+        <p:blipFill>
+          <a:blip r:embed="rId2">
+            <a:extLst>
+              <a:ext uri="{28A0092B-C50C-407E-A947-70E740481C1C}">
+                <a14:useLocalDpi xmlns:a14="http://schemas.microsoft.com/office/drawing/2010/main" val="0"/>
+              </a:ext>
+            </a:extLst>
+          </a:blip>
+          <a:srcRect/>
+          <a:stretch>
+            <a:fillRect/>
+          </a:stretch>
+        </p:blipFill>
+        <p:spPr bwMode="auto">
+          <a:xfrm>
+            <a:off x="3128468" y="1719310"/>
+            <a:ext cx="475556" cy="475556"/>
+          </a:xfrm>
+          <a:prstGeom prst="rect">
+            <a:avLst/>
+          </a:prstGeom>
+          <a:noFill/>
+          <a:extLst>
+            <a:ext uri="{909E8E84-426E-40DD-AFC4-6F175D3DCCD1}">
+              <a14:hiddenFill xmlns:a14="http://schemas.microsoft.com/office/drawing/2010/main">
+                <a:solidFill>
+                  <a:srgbClr val="FFFFFF"/>
+                </a:solidFill>
+              </a14:hiddenFill>
+            </a:ext>
+          </a:extLst>
+        </p:spPr>
+      </p:pic>
+      <p:pic>
+        <p:nvPicPr>
+          <p:cNvPr id="1026" name="Picture 2" descr="Ethereum brand assets | ethereum.org">
+            <a:extLst>
+              <a:ext uri="{FF2B5EF4-FFF2-40B4-BE49-F238E27FC236}">
+                <a16:creationId xmlns:a16="http://schemas.microsoft.com/office/drawing/2014/main" id="{A652A30F-D691-D7AC-83D7-64EA0410688E}"/>
+              </a:ext>
+            </a:extLst>
+          </p:cNvPr>
+          <p:cNvPicPr>
+            <a:picLocks noChangeAspect="1" noChangeArrowheads="1"/>
+          </p:cNvPicPr>
+          <p:nvPr/>
+        </p:nvPicPr>
+        <p:blipFill>
+          <a:blip r:embed="rId3">
+            <a:extLst>
+              <a:ext uri="{28A0092B-C50C-407E-A947-70E740481C1C}">
+                <a14:useLocalDpi xmlns:a14="http://schemas.microsoft.com/office/drawing/2010/main" val="0"/>
+              </a:ext>
+            </a:extLst>
+          </a:blip>
+          <a:srcRect/>
+          <a:stretch>
+            <a:fillRect/>
+          </a:stretch>
+        </p:blipFill>
+        <p:spPr bwMode="auto">
+          <a:xfrm>
+            <a:off x="8076883" y="1819650"/>
+            <a:ext cx="1497739" cy="375216"/>
+          </a:xfrm>
+          <a:prstGeom prst="rect">
+            <a:avLst/>
+          </a:prstGeom>
+          <a:noFill/>
+          <a:extLst>
+            <a:ext uri="{909E8E84-426E-40DD-AFC4-6F175D3DCCD1}">
+              <a14:hiddenFill xmlns:a14="http://schemas.microsoft.com/office/drawing/2010/main">
+                <a:solidFill>
+                  <a:srgbClr val="FFFFFF"/>
+                </a:solidFill>
+              </a14:hiddenFill>
+            </a:ext>
+          </a:extLst>
+        </p:spPr>
+      </p:pic>
+    </p:spTree>
+    <p:extLst>
+      <p:ext uri="{BB962C8B-B14F-4D97-AF65-F5344CB8AC3E}">
+        <p14:creationId xmlns:p14="http://schemas.microsoft.com/office/powerpoint/2010/main" val="1815574117"/>
       </p:ext>
     </p:extLst>
   </p:cSld>
